--- a/documents/15-AS/15-AS_Introduction.pptx
+++ b/documents/15-AS/15-AS_Introduction.pptx
@@ -8,24 +8,25 @@
     <p:sldId id="271" r:id="rId2"/>
     <p:sldId id="274" r:id="rId3"/>
     <p:sldId id="275" r:id="rId4"/>
-    <p:sldId id="269" r:id="rId5"/>
-    <p:sldId id="270" r:id="rId6"/>
-    <p:sldId id="267" r:id="rId7"/>
-    <p:sldId id="266" r:id="rId8"/>
-    <p:sldId id="279" r:id="rId9"/>
-    <p:sldId id="272" r:id="rId10"/>
-    <p:sldId id="276" r:id="rId11"/>
-    <p:sldId id="268" r:id="rId12"/>
-    <p:sldId id="277" r:id="rId13"/>
-    <p:sldId id="280" r:id="rId14"/>
-    <p:sldId id="273" r:id="rId15"/>
-    <p:sldId id="278" r:id="rId16"/>
-    <p:sldId id="281" r:id="rId17"/>
-    <p:sldId id="283" r:id="rId18"/>
-    <p:sldId id="282" r:id="rId19"/>
-    <p:sldId id="284" r:id="rId20"/>
-    <p:sldId id="285" r:id="rId21"/>
-    <p:sldId id="286" r:id="rId22"/>
+    <p:sldId id="287" r:id="rId5"/>
+    <p:sldId id="269" r:id="rId6"/>
+    <p:sldId id="270" r:id="rId7"/>
+    <p:sldId id="267" r:id="rId8"/>
+    <p:sldId id="266" r:id="rId9"/>
+    <p:sldId id="279" r:id="rId10"/>
+    <p:sldId id="272" r:id="rId11"/>
+    <p:sldId id="276" r:id="rId12"/>
+    <p:sldId id="268" r:id="rId13"/>
+    <p:sldId id="277" r:id="rId14"/>
+    <p:sldId id="280" r:id="rId15"/>
+    <p:sldId id="273" r:id="rId16"/>
+    <p:sldId id="278" r:id="rId17"/>
+    <p:sldId id="281" r:id="rId18"/>
+    <p:sldId id="283" r:id="rId19"/>
+    <p:sldId id="282" r:id="rId20"/>
+    <p:sldId id="284" r:id="rId21"/>
+    <p:sldId id="285" r:id="rId22"/>
+    <p:sldId id="286" r:id="rId23"/>
   </p:sldIdLst>
   <p:sldSz cx="12192000" cy="6858000"/>
   <p:notesSz cx="6858000" cy="9144000"/>
@@ -124,6 +125,11 @@
       </a:defRPr>
     </a:lvl9pPr>
   </p:defaultTextStyle>
+  <p:extLst>
+    <p:ext uri="{EFAFB233-063F-42B5-8137-9DF3F51BA10A}">
+      <p15:sldGuideLst xmlns:p15="http://schemas.microsoft.com/office/powerpoint/2012/main"/>
+    </p:ext>
+  </p:extLst>
 </p:presentation>
 </file>
 
@@ -3453,6 +3459,622 @@
           <p:cNvPr id="2" name="제목 1">
             <a:extLst>
               <a:ext uri="{FF2B5EF4-FFF2-40B4-BE49-F238E27FC236}">
+                <a16:creationId xmlns:a16="http://schemas.microsoft.com/office/drawing/2014/main" id="{08E4AAFF-4B13-4BB8-99DD-B5861D915EFB}"/>
+              </a:ext>
+            </a:extLst>
+          </p:cNvPr>
+          <p:cNvSpPr>
+            <a:spLocks noGrp="1"/>
+          </p:cNvSpPr>
+          <p:nvPr>
+            <p:ph type="title"/>
+          </p:nvPr>
+        </p:nvSpPr>
+        <p:spPr/>
+        <p:txBody>
+          <a:bodyPr/>
+          <a:lstStyle/>
+          <a:p>
+            <a:r>
+              <a:rPr lang="en-US" altLang="ko-KR" dirty="0"/>
+              <a:t>D</a:t>
+            </a:r>
+            <a:r>
+              <a:rPr lang="en-US" altLang="zh-CN" dirty="0"/>
+              <a:t>iv0</a:t>
+            </a:r>
+            <a:r>
+              <a:rPr lang="zh-CN" altLang="en-US" dirty="0"/>
+              <a:t>业务需求</a:t>
+            </a:r>
+            <a:endParaRPr lang="ko-KR" altLang="en-US" dirty="0"/>
+          </a:p>
+        </p:txBody>
+      </p:sp>
+      <p:sp>
+        <p:nvSpPr>
+          <p:cNvPr id="3" name="내용 개체 틀 2">
+            <a:extLst>
+              <a:ext uri="{FF2B5EF4-FFF2-40B4-BE49-F238E27FC236}">
+                <a16:creationId xmlns:a16="http://schemas.microsoft.com/office/drawing/2014/main" id="{4E0F34F0-36AE-4B4D-8B81-1E329A79F477}"/>
+              </a:ext>
+            </a:extLst>
+          </p:cNvPr>
+          <p:cNvSpPr>
+            <a:spLocks noGrp="1"/>
+          </p:cNvSpPr>
+          <p:nvPr>
+            <p:ph idx="1"/>
+          </p:nvPr>
+        </p:nvSpPr>
+        <p:spPr/>
+        <p:txBody>
+          <a:bodyPr>
+            <a:normAutofit/>
+          </a:bodyPr>
+          <a:lstStyle/>
+          <a:p>
+            <a:r>
+              <a:rPr lang="en-US" altLang="zh-CN" sz="2000" dirty="0"/>
+              <a:t>Div0</a:t>
+            </a:r>
+            <a:r>
+              <a:rPr lang="zh-CN" altLang="en-US" sz="2000" dirty="0"/>
+              <a:t>内容接电话的人员根据打来电话人员提供的年度（</a:t>
+            </a:r>
+            <a:r>
+              <a:rPr lang="en-US" altLang="zh-CN" sz="2000" dirty="0"/>
+              <a:t>year</a:t>
+            </a:r>
+            <a:r>
+              <a:rPr lang="zh-CN" altLang="en-US" sz="2000" dirty="0"/>
+              <a:t>）、</a:t>
+            </a:r>
+            <a:r>
+              <a:rPr lang="en-US" altLang="zh-CN" sz="2000" dirty="0"/>
+              <a:t> </a:t>
+            </a:r>
+            <a:r>
+              <a:rPr lang="zh-CN" altLang="en-US" sz="2000" dirty="0"/>
+              <a:t>客户公司（</a:t>
+            </a:r>
+            <a:r>
+              <a:rPr lang="en-US" altLang="zh-CN" sz="2000" dirty="0"/>
+              <a:t>contract</a:t>
+            </a:r>
+            <a:r>
+              <a:rPr lang="zh-CN" altLang="en-US" sz="2000" dirty="0"/>
+              <a:t>）、季度（</a:t>
+            </a:r>
+            <a:r>
+              <a:rPr lang="en-US" altLang="zh-CN" sz="2000" dirty="0"/>
+              <a:t>season</a:t>
+            </a:r>
+            <a:r>
+              <a:rPr lang="zh-CN" altLang="en-US" sz="2000" dirty="0"/>
+              <a:t>）、附属部门（</a:t>
+            </a:r>
+            <a:r>
+              <a:rPr lang="en-US" altLang="zh-CN" sz="2000" dirty="0"/>
+              <a:t>department</a:t>
+            </a:r>
+            <a:r>
+              <a:rPr lang="zh-CN" altLang="en-US" sz="2000" dirty="0"/>
+              <a:t>）、小组部门（</a:t>
+            </a:r>
+            <a:r>
+              <a:rPr lang="en-US" altLang="zh-CN" sz="2000" dirty="0"/>
+              <a:t>team</a:t>
+            </a:r>
+            <a:r>
+              <a:rPr lang="zh-CN" altLang="en-US" sz="2000" dirty="0"/>
+              <a:t>）选定数据，在输入打电话来的人的姓名，点击“搜索（</a:t>
+            </a:r>
+            <a:r>
+              <a:rPr lang="ko-KR" altLang="en-US" sz="2000" dirty="0"/>
+              <a:t>검색</a:t>
+            </a:r>
+            <a:r>
+              <a:rPr lang="zh-CN" altLang="en-US" sz="2000" dirty="0"/>
+              <a:t>）”按钮后服务器查询的数据分别填入（</a:t>
+            </a:r>
+            <a:r>
+              <a:rPr lang="en-US" altLang="zh-CN" sz="2000" dirty="0"/>
+              <a:t>div1</a:t>
+            </a:r>
+            <a:r>
+              <a:rPr lang="zh-CN" altLang="en-US" sz="2000" dirty="0"/>
+              <a:t>，</a:t>
+            </a:r>
+            <a:r>
+              <a:rPr lang="en-US" altLang="zh-CN" sz="2000" dirty="0"/>
+              <a:t>div2</a:t>
+            </a:r>
+            <a:r>
+              <a:rPr lang="zh-CN" altLang="en-US" sz="2000" dirty="0"/>
+              <a:t>，</a:t>
+            </a:r>
+            <a:r>
+              <a:rPr lang="en-US" altLang="zh-CN" sz="2000" dirty="0"/>
+              <a:t>div3,div4</a:t>
+            </a:r>
+            <a:r>
+              <a:rPr lang="zh-CN" altLang="en-US" sz="2000" dirty="0"/>
+              <a:t>）中</a:t>
+            </a:r>
+            <a:endParaRPr lang="ko-KR" altLang="en-US" sz="2000" dirty="0"/>
+          </a:p>
+          <a:p>
+            <a:endParaRPr lang="en-US" altLang="zh-CN" sz="2000" dirty="0"/>
+          </a:p>
+        </p:txBody>
+      </p:sp>
+      <p:graphicFrame>
+        <p:nvGraphicFramePr>
+          <p:cNvPr id="4" name="표 5">
+            <a:extLst>
+              <a:ext uri="{FF2B5EF4-FFF2-40B4-BE49-F238E27FC236}">
+                <a16:creationId xmlns:a16="http://schemas.microsoft.com/office/drawing/2014/main" id="{3B058624-32C7-428D-A997-9BC33996F53B}"/>
+              </a:ext>
+            </a:extLst>
+          </p:cNvPr>
+          <p:cNvGraphicFramePr>
+            <a:graphicFrameLocks noGrp="1"/>
+          </p:cNvGraphicFramePr>
+          <p:nvPr/>
+        </p:nvGraphicFramePr>
+        <p:xfrm>
+          <a:off x="1315720" y="3063240"/>
+          <a:ext cx="9062721" cy="2595880"/>
+        </p:xfrm>
+        <a:graphic>
+          <a:graphicData uri="http://schemas.openxmlformats.org/drawingml/2006/table">
+            <a:tbl>
+              <a:tblPr firstRow="1">
+                <a:tableStyleId>{93296810-A885-4BE3-A3E7-6D5BEEA58F35}</a:tableStyleId>
+              </a:tblPr>
+              <a:tblGrid>
+                <a:gridCol w="1747520">
+                  <a:extLst>
+                    <a:ext uri="{9D8B030D-6E8A-4147-A177-3AD203B41FA5}">
+                      <a16:colId xmlns:a16="http://schemas.microsoft.com/office/drawing/2014/main" val="2607834444"/>
+                    </a:ext>
+                  </a:extLst>
+                </a:gridCol>
+                <a:gridCol w="4294294">
+                  <a:extLst>
+                    <a:ext uri="{9D8B030D-6E8A-4147-A177-3AD203B41FA5}">
+                      <a16:colId xmlns:a16="http://schemas.microsoft.com/office/drawing/2014/main" val="345831811"/>
+                    </a:ext>
+                  </a:extLst>
+                </a:gridCol>
+                <a:gridCol w="3020907">
+                  <a:extLst>
+                    <a:ext uri="{9D8B030D-6E8A-4147-A177-3AD203B41FA5}">
+                      <a16:colId xmlns:a16="http://schemas.microsoft.com/office/drawing/2014/main" val="3798920759"/>
+                    </a:ext>
+                  </a:extLst>
+                </a:gridCol>
+              </a:tblGrid>
+              <a:tr h="370840">
+                <a:tc>
+                  <a:txBody>
+                    <a:bodyPr/>
+                    <a:lstStyle/>
+                    <a:p>
+                      <a:pPr latinLnBrk="1"/>
+                      <a:r>
+                        <a:rPr lang="en-US" altLang="ko-KR" dirty="0"/>
+                        <a:t>Korean</a:t>
+                      </a:r>
+                      <a:endParaRPr lang="ko-KR" altLang="en-US" dirty="0"/>
+                    </a:p>
+                  </a:txBody>
+                  <a:tcPr/>
+                </a:tc>
+                <a:tc>
+                  <a:txBody>
+                    <a:bodyPr/>
+                    <a:lstStyle/>
+                    <a:p>
+                      <a:pPr latinLnBrk="1"/>
+                      <a:r>
+                        <a:rPr lang="en-US" altLang="ko-KR" dirty="0"/>
+                        <a:t>English</a:t>
+                      </a:r>
+                      <a:endParaRPr lang="ko-KR" altLang="en-US" dirty="0"/>
+                    </a:p>
+                  </a:txBody>
+                  <a:tcPr/>
+                </a:tc>
+                <a:tc>
+                  <a:txBody>
+                    <a:bodyPr/>
+                    <a:lstStyle/>
+                    <a:p>
+                      <a:pPr latinLnBrk="1"/>
+                      <a:r>
+                        <a:rPr lang="en-US" altLang="ko-KR" dirty="0"/>
+                        <a:t>Chinese</a:t>
+                      </a:r>
+                      <a:endParaRPr lang="ko-KR" altLang="en-US" dirty="0"/>
+                    </a:p>
+                  </a:txBody>
+                  <a:tcPr/>
+                </a:tc>
+                <a:extLst>
+                  <a:ext uri="{0D108BD9-81ED-4DB2-BD59-A6C34878D82A}">
+                    <a16:rowId xmlns:a16="http://schemas.microsoft.com/office/drawing/2014/main" val="837421108"/>
+                  </a:ext>
+                </a:extLst>
+              </a:tr>
+              <a:tr h="370840">
+                <a:tc>
+                  <a:txBody>
+                    <a:bodyPr/>
+                    <a:lstStyle/>
+                    <a:p>
+                      <a:pPr latinLnBrk="1"/>
+                      <a:r>
+                        <a:rPr lang="ko-KR" altLang="en-US" dirty="0"/>
+                        <a:t>년도</a:t>
+                      </a:r>
+                    </a:p>
+                  </a:txBody>
+                  <a:tcPr/>
+                </a:tc>
+                <a:tc>
+                  <a:txBody>
+                    <a:bodyPr/>
+                    <a:lstStyle/>
+                    <a:p>
+                      <a:pPr latinLnBrk="1"/>
+                      <a:r>
+                        <a:rPr lang="en-US" altLang="ko-KR" sz="1800" kern="1200" dirty="0">
+                          <a:solidFill>
+                            <a:schemeClr val="dk1"/>
+                          </a:solidFill>
+                          <a:latin typeface="+mn-lt"/>
+                          <a:ea typeface="+mn-ea"/>
+                          <a:cs typeface="+mn-cs"/>
+                        </a:rPr>
+                        <a:t>year</a:t>
+                      </a:r>
+                      <a:endParaRPr lang="ko-KR" altLang="en-US" dirty="0"/>
+                    </a:p>
+                  </a:txBody>
+                  <a:tcPr/>
+                </a:tc>
+                <a:tc>
+                  <a:txBody>
+                    <a:bodyPr/>
+                    <a:lstStyle/>
+                    <a:p>
+                      <a:pPr latinLnBrk="1"/>
+                      <a:r>
+                        <a:rPr lang="zh-CN" altLang="en-US" dirty="0"/>
+                        <a:t>年度</a:t>
+                      </a:r>
+                      <a:endParaRPr lang="ko-KR" altLang="en-US" dirty="0"/>
+                    </a:p>
+                  </a:txBody>
+                  <a:tcPr/>
+                </a:tc>
+                <a:extLst>
+                  <a:ext uri="{0D108BD9-81ED-4DB2-BD59-A6C34878D82A}">
+                    <a16:rowId xmlns:a16="http://schemas.microsoft.com/office/drawing/2014/main" val="4129509079"/>
+                  </a:ext>
+                </a:extLst>
+              </a:tr>
+              <a:tr h="370840">
+                <a:tc>
+                  <a:txBody>
+                    <a:bodyPr/>
+                    <a:lstStyle/>
+                    <a:p>
+                      <a:pPr latinLnBrk="1"/>
+                      <a:r>
+                        <a:rPr lang="ko-KR" altLang="en-US" dirty="0"/>
+                        <a:t>거래처명</a:t>
+                      </a:r>
+                    </a:p>
+                  </a:txBody>
+                  <a:tcPr/>
+                </a:tc>
+                <a:tc>
+                  <a:txBody>
+                    <a:bodyPr/>
+                    <a:lstStyle/>
+                    <a:p>
+                      <a:pPr latinLnBrk="1"/>
+                      <a:r>
+                        <a:rPr lang="en-US" altLang="ko-KR" sz="1800" kern="1200" dirty="0">
+                          <a:solidFill>
+                            <a:schemeClr val="dk1"/>
+                          </a:solidFill>
+                          <a:latin typeface="+mn-lt"/>
+                          <a:ea typeface="+mn-ea"/>
+                          <a:cs typeface="+mn-cs"/>
+                        </a:rPr>
+                        <a:t>contract</a:t>
+                      </a:r>
+                      <a:endParaRPr lang="ko-KR" altLang="en-US" dirty="0"/>
+                    </a:p>
+                  </a:txBody>
+                  <a:tcPr/>
+                </a:tc>
+                <a:tc>
+                  <a:txBody>
+                    <a:bodyPr/>
+                    <a:lstStyle/>
+                    <a:p>
+                      <a:pPr latinLnBrk="1"/>
+                      <a:r>
+                        <a:rPr lang="zh-CN" altLang="en-US" dirty="0"/>
+                        <a:t>公司名</a:t>
+                      </a:r>
+                      <a:endParaRPr lang="ko-KR" altLang="en-US" dirty="0"/>
+                    </a:p>
+                  </a:txBody>
+                  <a:tcPr/>
+                </a:tc>
+                <a:extLst>
+                  <a:ext uri="{0D108BD9-81ED-4DB2-BD59-A6C34878D82A}">
+                    <a16:rowId xmlns:a16="http://schemas.microsoft.com/office/drawing/2014/main" val="2389781341"/>
+                  </a:ext>
+                </a:extLst>
+              </a:tr>
+              <a:tr h="370840">
+                <a:tc>
+                  <a:txBody>
+                    <a:bodyPr/>
+                    <a:lstStyle/>
+                    <a:p>
+                      <a:pPr latinLnBrk="1"/>
+                      <a:r>
+                        <a:rPr lang="ko-KR" altLang="en-US" dirty="0"/>
+                        <a:t>시즌</a:t>
+                      </a:r>
+                    </a:p>
+                  </a:txBody>
+                  <a:tcPr/>
+                </a:tc>
+                <a:tc>
+                  <a:txBody>
+                    <a:bodyPr/>
+                    <a:lstStyle/>
+                    <a:p>
+                      <a:pPr latinLnBrk="1"/>
+                      <a:r>
+                        <a:rPr lang="en-US" altLang="ko-KR" sz="1800" kern="1200" dirty="0">
+                          <a:solidFill>
+                            <a:schemeClr val="dk1"/>
+                          </a:solidFill>
+                          <a:latin typeface="+mn-lt"/>
+                          <a:ea typeface="+mn-ea"/>
+                          <a:cs typeface="+mn-cs"/>
+                        </a:rPr>
+                        <a:t>season</a:t>
+                      </a:r>
+                      <a:endParaRPr lang="ko-KR" altLang="en-US" dirty="0"/>
+                    </a:p>
+                  </a:txBody>
+                  <a:tcPr/>
+                </a:tc>
+                <a:tc>
+                  <a:txBody>
+                    <a:bodyPr/>
+                    <a:lstStyle/>
+                    <a:p>
+                      <a:pPr latinLnBrk="1"/>
+                      <a:r>
+                        <a:rPr lang="zh-CN" altLang="en-US" dirty="0"/>
+                        <a:t>季度</a:t>
+                      </a:r>
+                      <a:endParaRPr lang="ko-KR" altLang="en-US" dirty="0"/>
+                    </a:p>
+                  </a:txBody>
+                  <a:tcPr/>
+                </a:tc>
+                <a:extLst>
+                  <a:ext uri="{0D108BD9-81ED-4DB2-BD59-A6C34878D82A}">
+                    <a16:rowId xmlns:a16="http://schemas.microsoft.com/office/drawing/2014/main" val="780056306"/>
+                  </a:ext>
+                </a:extLst>
+              </a:tr>
+              <a:tr h="370840">
+                <a:tc>
+                  <a:txBody>
+                    <a:bodyPr/>
+                    <a:lstStyle/>
+                    <a:p>
+                      <a:pPr latinLnBrk="1"/>
+                      <a:r>
+                        <a:rPr lang="ko-KR" altLang="en-US" dirty="0"/>
+                        <a:t>부서명</a:t>
+                      </a:r>
+                    </a:p>
+                  </a:txBody>
+                  <a:tcPr/>
+                </a:tc>
+                <a:tc>
+                  <a:txBody>
+                    <a:bodyPr/>
+                    <a:lstStyle/>
+                    <a:p>
+                      <a:pPr latinLnBrk="1"/>
+                      <a:r>
+                        <a:rPr lang="en-US" altLang="ko-KR" dirty="0" err="1"/>
+                        <a:t>deparmentName</a:t>
+                      </a:r>
+                      <a:endParaRPr lang="ko-KR" altLang="en-US" dirty="0"/>
+                    </a:p>
+                  </a:txBody>
+                  <a:tcPr/>
+                </a:tc>
+                <a:tc>
+                  <a:txBody>
+                    <a:bodyPr/>
+                    <a:lstStyle/>
+                    <a:p>
+                      <a:pPr latinLnBrk="1"/>
+                      <a:r>
+                        <a:rPr lang="zh-CN" altLang="en-US" dirty="0"/>
+                        <a:t>附属部门名</a:t>
+                      </a:r>
+                      <a:endParaRPr lang="ko-KR" altLang="en-US" dirty="0"/>
+                    </a:p>
+                  </a:txBody>
+                  <a:tcPr/>
+                </a:tc>
+                <a:extLst>
+                  <a:ext uri="{0D108BD9-81ED-4DB2-BD59-A6C34878D82A}">
+                    <a16:rowId xmlns:a16="http://schemas.microsoft.com/office/drawing/2014/main" val="1252524030"/>
+                  </a:ext>
+                </a:extLst>
+              </a:tr>
+              <a:tr h="370840">
+                <a:tc>
+                  <a:txBody>
+                    <a:bodyPr/>
+                    <a:lstStyle/>
+                    <a:p>
+                      <a:pPr latinLnBrk="1"/>
+                      <a:r>
+                        <a:rPr lang="ko-KR" altLang="en-US" dirty="0" err="1"/>
+                        <a:t>소속명</a:t>
+                      </a:r>
+                      <a:endParaRPr lang="ko-KR" altLang="en-US" dirty="0"/>
+                    </a:p>
+                  </a:txBody>
+                  <a:tcPr/>
+                </a:tc>
+                <a:tc>
+                  <a:txBody>
+                    <a:bodyPr/>
+                    <a:lstStyle/>
+                    <a:p>
+                      <a:pPr latinLnBrk="1"/>
+                      <a:r>
+                        <a:rPr lang="en-US" altLang="ko-KR" dirty="0" err="1"/>
+                        <a:t>teamName</a:t>
+                      </a:r>
+                      <a:endParaRPr lang="ko-KR" altLang="en-US" dirty="0"/>
+                    </a:p>
+                  </a:txBody>
+                  <a:tcPr/>
+                </a:tc>
+                <a:tc>
+                  <a:txBody>
+                    <a:bodyPr/>
+                    <a:lstStyle/>
+                    <a:p>
+                      <a:pPr latinLnBrk="1"/>
+                      <a:r>
+                        <a:rPr lang="zh-CN" altLang="en-US" dirty="0"/>
+                        <a:t>小组部门名</a:t>
+                      </a:r>
+                      <a:endParaRPr lang="ko-KR" altLang="en-US" dirty="0"/>
+                    </a:p>
+                  </a:txBody>
+                  <a:tcPr/>
+                </a:tc>
+                <a:extLst>
+                  <a:ext uri="{0D108BD9-81ED-4DB2-BD59-A6C34878D82A}">
+                    <a16:rowId xmlns:a16="http://schemas.microsoft.com/office/drawing/2014/main" val="583306120"/>
+                  </a:ext>
+                </a:extLst>
+              </a:tr>
+              <a:tr h="370840">
+                <a:tc>
+                  <a:txBody>
+                    <a:bodyPr/>
+                    <a:lstStyle/>
+                    <a:p>
+                      <a:pPr latinLnBrk="1"/>
+                      <a:r>
+                        <a:rPr lang="ko-KR" altLang="en-US" dirty="0"/>
+                        <a:t>성명</a:t>
+                      </a:r>
+                    </a:p>
+                  </a:txBody>
+                  <a:tcPr/>
+                </a:tc>
+                <a:tc>
+                  <a:txBody>
+                    <a:bodyPr/>
+                    <a:lstStyle/>
+                    <a:p>
+                      <a:pPr latinLnBrk="1"/>
+                      <a:r>
+                        <a:rPr lang="en-US" altLang="ko-KR" dirty="0"/>
+                        <a:t>name</a:t>
+                      </a:r>
+                      <a:endParaRPr lang="ko-KR" altLang="en-US" dirty="0"/>
+                    </a:p>
+                  </a:txBody>
+                  <a:tcPr/>
+                </a:tc>
+                <a:tc>
+                  <a:txBody>
+                    <a:bodyPr/>
+                    <a:lstStyle/>
+                    <a:p>
+                      <a:pPr latinLnBrk="1"/>
+                      <a:r>
+                        <a:rPr lang="zh-CN" altLang="en-US" dirty="0"/>
+                        <a:t>顾客的姓名</a:t>
+                      </a:r>
+                      <a:endParaRPr lang="ko-KR" altLang="en-US" dirty="0"/>
+                    </a:p>
+                  </a:txBody>
+                  <a:tcPr/>
+                </a:tc>
+                <a:extLst>
+                  <a:ext uri="{0D108BD9-81ED-4DB2-BD59-A6C34878D82A}">
+                    <a16:rowId xmlns:a16="http://schemas.microsoft.com/office/drawing/2014/main" val="3148934602"/>
+                  </a:ext>
+                </a:extLst>
+              </a:tr>
+            </a:tbl>
+          </a:graphicData>
+        </a:graphic>
+      </p:graphicFrame>
+    </p:spTree>
+    <p:extLst>
+      <p:ext uri="{BB962C8B-B14F-4D97-AF65-F5344CB8AC3E}">
+        <p14:creationId xmlns:p14="http://schemas.microsoft.com/office/powerpoint/2010/main" val="3128360447"/>
+      </p:ext>
+    </p:extLst>
+  </p:cSld>
+  <p:clrMapOvr>
+    <a:masterClrMapping/>
+  </p:clrMapOvr>
+</p:sld>
+</file>
+
+<file path=ppt/slides/slide11.xml><?xml version="1.0" encoding="utf-8"?>
+<p:sld xmlns:a="http://schemas.openxmlformats.org/drawingml/2006/main" xmlns:r="http://schemas.openxmlformats.org/officeDocument/2006/relationships" xmlns:p="http://schemas.openxmlformats.org/presentationml/2006/main">
+  <p:cSld>
+    <p:spTree>
+      <p:nvGrpSpPr>
+        <p:cNvPr id="1" name=""/>
+        <p:cNvGrpSpPr/>
+        <p:nvPr/>
+      </p:nvGrpSpPr>
+      <p:grpSpPr>
+        <a:xfrm>
+          <a:off x="0" y="0"/>
+          <a:ext cx="0" cy="0"/>
+          <a:chOff x="0" y="0"/>
+          <a:chExt cx="0" cy="0"/>
+        </a:xfrm>
+      </p:grpSpPr>
+      <p:sp>
+        <p:nvSpPr>
+          <p:cNvPr id="2" name="제목 1">
+            <a:extLst>
+              <a:ext uri="{FF2B5EF4-FFF2-40B4-BE49-F238E27FC236}">
                 <a16:creationId xmlns:a16="http://schemas.microsoft.com/office/drawing/2014/main" id="{F7DF9715-0DA5-4207-8E6B-798BA49C87BB}"/>
               </a:ext>
             </a:extLst>
@@ -3535,7 +4157,7 @@
 </p:sld>
 </file>
 
-<file path=ppt/slides/slide11.xml><?xml version="1.0" encoding="utf-8"?>
+<file path=ppt/slides/slide12.xml><?xml version="1.0" encoding="utf-8"?>
 <p:sld xmlns:a="http://schemas.openxmlformats.org/drawingml/2006/main" xmlns:r="http://schemas.openxmlformats.org/officeDocument/2006/relationships" xmlns:p="http://schemas.openxmlformats.org/presentationml/2006/main">
   <p:cSld>
     <p:spTree>
@@ -3945,7 +4567,7 @@
 </p:sld>
 </file>
 
-<file path=ppt/slides/slide12.xml><?xml version="1.0" encoding="utf-8"?>
+<file path=ppt/slides/slide13.xml><?xml version="1.0" encoding="utf-8"?>
 <p:sld xmlns:a="http://schemas.openxmlformats.org/drawingml/2006/main" xmlns:r="http://schemas.openxmlformats.org/officeDocument/2006/relationships" xmlns:p="http://schemas.openxmlformats.org/presentationml/2006/main">
   <p:cSld>
     <p:spTree>
@@ -4142,7 +4764,7 @@
 </p:sld>
 </file>
 
-<file path=ppt/slides/slide13.xml><?xml version="1.0" encoding="utf-8"?>
+<file path=ppt/slides/slide14.xml><?xml version="1.0" encoding="utf-8"?>
 <p:sld xmlns:a="http://schemas.openxmlformats.org/drawingml/2006/main" xmlns:r="http://schemas.openxmlformats.org/officeDocument/2006/relationships" xmlns:p="http://schemas.openxmlformats.org/presentationml/2006/main">
   <p:cSld>
     <p:spTree>
@@ -4287,7 +4909,7 @@
 </p:sld>
 </file>
 
-<file path=ppt/slides/slide14.xml><?xml version="1.0" encoding="utf-8"?>
+<file path=ppt/slides/slide15.xml><?xml version="1.0" encoding="utf-8"?>
 <p:sld xmlns:a="http://schemas.openxmlformats.org/drawingml/2006/main" xmlns:r="http://schemas.openxmlformats.org/officeDocument/2006/relationships" xmlns:p="http://schemas.openxmlformats.org/presentationml/2006/main">
   <p:cSld>
     <p:spTree>
@@ -5079,7 +5701,7 @@
 </p:sld>
 </file>
 
-<file path=ppt/slides/slide15.xml><?xml version="1.0" encoding="utf-8"?>
+<file path=ppt/slides/slide16.xml><?xml version="1.0" encoding="utf-8"?>
 <p:sld xmlns:a="http://schemas.openxmlformats.org/drawingml/2006/main" xmlns:r="http://schemas.openxmlformats.org/officeDocument/2006/relationships" xmlns:p="http://schemas.openxmlformats.org/presentationml/2006/main">
   <p:cSld>
     <p:spTree>
@@ -5284,7 +5906,7 @@
 </p:sld>
 </file>
 
-<file path=ppt/slides/slide16.xml><?xml version="1.0" encoding="utf-8"?>
+<file path=ppt/slides/slide17.xml><?xml version="1.0" encoding="utf-8"?>
 <p:sld xmlns:a="http://schemas.openxmlformats.org/drawingml/2006/main" xmlns:r="http://schemas.openxmlformats.org/officeDocument/2006/relationships" xmlns:p="http://schemas.openxmlformats.org/presentationml/2006/main">
   <p:cSld>
     <p:spTree>
@@ -5393,8 +6015,8 @@
         </p:blipFill>
         <p:spPr>
           <a:xfrm>
-            <a:off x="516536" y="2914641"/>
-            <a:ext cx="4154524" cy="2568331"/>
+            <a:off x="425104" y="2563531"/>
+            <a:ext cx="4651440" cy="2875525"/>
           </a:xfrm>
           <a:prstGeom prst="rect">
             <a:avLst/>
@@ -5413,11 +6035,17 @@
           <p:cNvGraphicFramePr>
             <a:graphicFrameLocks noGrp="1"/>
           </p:cNvGraphicFramePr>
-          <p:nvPr/>
+          <p:nvPr>
+            <p:extLst>
+              <p:ext uri="{D42A27DB-BD31-4B8C-83A1-F6EECF244321}">
+                <p14:modId xmlns:p14="http://schemas.microsoft.com/office/powerpoint/2010/main" val="1836585355"/>
+              </p:ext>
+            </p:extLst>
+          </p:nvPr>
         </p:nvGraphicFramePr>
         <p:xfrm>
           <a:off x="5076544" y="2355692"/>
-          <a:ext cx="5484776" cy="2573336"/>
+          <a:ext cx="5484776" cy="2660218"/>
         </p:xfrm>
         <a:graphic>
           <a:graphicData uri="http://schemas.openxmlformats.org/drawingml/2006/table">
@@ -5726,7 +6354,7 @@
                   </a:ext>
                 </a:extLst>
               </a:tr>
-              <a:tr h="268327">
+              <a:tr h="355209">
                 <a:tc>
                   <a:txBody>
                     <a:bodyPr/>
@@ -6135,7 +6763,7 @@
 </p:sld>
 </file>
 
-<file path=ppt/slides/slide17.xml><?xml version="1.0" encoding="utf-8"?>
+<file path=ppt/slides/slide18.xml><?xml version="1.0" encoding="utf-8"?>
 <p:sld xmlns:a="http://schemas.openxmlformats.org/drawingml/2006/main" xmlns:r="http://schemas.openxmlformats.org/officeDocument/2006/relationships" xmlns:p="http://schemas.openxmlformats.org/presentationml/2006/main">
   <p:cSld>
     <p:spTree>
@@ -6279,7 +6907,7 @@
 </p:sld>
 </file>
 
-<file path=ppt/slides/slide18.xml><?xml version="1.0" encoding="utf-8"?>
+<file path=ppt/slides/slide19.xml><?xml version="1.0" encoding="utf-8"?>
 <p:sld xmlns:a="http://schemas.openxmlformats.org/drawingml/2006/main" xmlns:r="http://schemas.openxmlformats.org/officeDocument/2006/relationships" xmlns:p="http://schemas.openxmlformats.org/presentationml/2006/main">
   <p:cSld>
     <p:spTree>
@@ -6486,126 +7114,6 @@
 </p:sld>
 </file>
 
-<file path=ppt/slides/slide19.xml><?xml version="1.0" encoding="utf-8"?>
-<p:sld xmlns:a="http://schemas.openxmlformats.org/drawingml/2006/main" xmlns:r="http://schemas.openxmlformats.org/officeDocument/2006/relationships" xmlns:p="http://schemas.openxmlformats.org/presentationml/2006/main">
-  <p:cSld>
-    <p:spTree>
-      <p:nvGrpSpPr>
-        <p:cNvPr id="1" name=""/>
-        <p:cNvGrpSpPr/>
-        <p:nvPr/>
-      </p:nvGrpSpPr>
-      <p:grpSpPr>
-        <a:xfrm>
-          <a:off x="0" y="0"/>
-          <a:ext cx="0" cy="0"/>
-          <a:chOff x="0" y="0"/>
-          <a:chExt cx="0" cy="0"/>
-        </a:xfrm>
-      </p:grpSpPr>
-      <p:sp>
-        <p:nvSpPr>
-          <p:cNvPr id="2" name="제목 1">
-            <a:extLst>
-              <a:ext uri="{FF2B5EF4-FFF2-40B4-BE49-F238E27FC236}">
-                <a16:creationId xmlns:a16="http://schemas.microsoft.com/office/drawing/2014/main" id="{2C3B8EE3-7774-498B-A12A-B3809B5003E7}"/>
-              </a:ext>
-            </a:extLst>
-          </p:cNvPr>
-          <p:cNvSpPr>
-            <a:spLocks noGrp="1"/>
-          </p:cNvSpPr>
-          <p:nvPr>
-            <p:ph type="title"/>
-          </p:nvPr>
-        </p:nvSpPr>
-        <p:spPr/>
-        <p:txBody>
-          <a:bodyPr/>
-          <a:lstStyle/>
-          <a:p>
-            <a:r>
-              <a:rPr lang="en-US" altLang="ko-KR" dirty="0"/>
-              <a:t>D</a:t>
-            </a:r>
-            <a:r>
-              <a:rPr lang="en-US" altLang="zh-CN" dirty="0"/>
-              <a:t>iv4 Intro</a:t>
-            </a:r>
-            <a:endParaRPr lang="ko-KR" altLang="en-US" dirty="0"/>
-          </a:p>
-        </p:txBody>
-      </p:sp>
-      <p:sp>
-        <p:nvSpPr>
-          <p:cNvPr id="3" name="내용 개체 틀 2">
-            <a:extLst>
-              <a:ext uri="{FF2B5EF4-FFF2-40B4-BE49-F238E27FC236}">
-                <a16:creationId xmlns:a16="http://schemas.microsoft.com/office/drawing/2014/main" id="{3713BBDD-D978-44A7-9BFB-92D486EDE2E8}"/>
-              </a:ext>
-            </a:extLst>
-          </p:cNvPr>
-          <p:cNvSpPr>
-            <a:spLocks noGrp="1"/>
-          </p:cNvSpPr>
-          <p:nvPr>
-            <p:ph idx="1"/>
-          </p:nvPr>
-        </p:nvSpPr>
-        <p:spPr/>
-        <p:txBody>
-          <a:bodyPr/>
-          <a:lstStyle/>
-          <a:p>
-            <a:r>
-              <a:rPr lang="zh-CN" altLang="en-US" dirty="0"/>
-              <a:t>这部门就是</a:t>
-            </a:r>
-            <a:r>
-              <a:rPr lang="en-US" altLang="zh-CN" dirty="0"/>
-              <a:t>AS</a:t>
-            </a:r>
-            <a:r>
-              <a:rPr lang="zh-CN" altLang="en-US" dirty="0"/>
-              <a:t>接电话的人可以操作的部分。</a:t>
-            </a:r>
-            <a:endParaRPr lang="en-US" altLang="zh-CN" dirty="0"/>
-          </a:p>
-          <a:p>
-            <a:r>
-              <a:rPr lang="zh-CN" altLang="en-US" dirty="0"/>
-              <a:t>如果顾客是第一次打电话过来，这三次交换内容都为空，表格也是为空。然后接电话的工作人员根据顾客的通话内容，输入这些框</a:t>
-            </a:r>
-            <a:endParaRPr lang="en-US" altLang="zh-CN" dirty="0"/>
-          </a:p>
-          <a:p>
-            <a:r>
-              <a:rPr lang="zh-CN" altLang="en-US" dirty="0"/>
-              <a:t>如果顾客是第二次打电话过来，那么就会显示第一次的内容。</a:t>
-            </a:r>
-            <a:endParaRPr lang="en-US" altLang="zh-CN" dirty="0"/>
-          </a:p>
-          <a:p>
-            <a:endParaRPr lang="en-US" altLang="zh-CN" dirty="0"/>
-          </a:p>
-          <a:p>
-            <a:endParaRPr lang="ko-KR" altLang="en-US" dirty="0"/>
-          </a:p>
-        </p:txBody>
-      </p:sp>
-    </p:spTree>
-    <p:extLst>
-      <p:ext uri="{BB962C8B-B14F-4D97-AF65-F5344CB8AC3E}">
-        <p14:creationId xmlns:p14="http://schemas.microsoft.com/office/powerpoint/2010/main" val="1934114862"/>
-      </p:ext>
-    </p:extLst>
-  </p:cSld>
-  <p:clrMapOvr>
-    <a:masterClrMapping/>
-  </p:clrMapOvr>
-</p:sld>
-</file>
-
 <file path=ppt/slides/slide2.xml><?xml version="1.0" encoding="utf-8"?>
 <p:sld xmlns:a="http://schemas.openxmlformats.org/drawingml/2006/main" xmlns:r="http://schemas.openxmlformats.org/officeDocument/2006/relationships" xmlns:p="http://schemas.openxmlformats.org/presentationml/2006/main">
   <p:cSld>
@@ -6637,8 +7145,8 @@
         </p:nvGrpSpPr>
         <p:grpSpPr>
           <a:xfrm>
-            <a:off x="2558754" y="179208"/>
-            <a:ext cx="2554422" cy="5929393"/>
+            <a:off x="1813166" y="478302"/>
+            <a:ext cx="3537247" cy="5472332"/>
             <a:chOff x="2558754" y="179208"/>
             <a:chExt cx="2554422" cy="5929393"/>
           </a:xfrm>
@@ -6815,6 +7323,126 @@
           <a:chExt cx="0" cy="0"/>
         </a:xfrm>
       </p:grpSpPr>
+      <p:sp>
+        <p:nvSpPr>
+          <p:cNvPr id="2" name="제목 1">
+            <a:extLst>
+              <a:ext uri="{FF2B5EF4-FFF2-40B4-BE49-F238E27FC236}">
+                <a16:creationId xmlns:a16="http://schemas.microsoft.com/office/drawing/2014/main" id="{2C3B8EE3-7774-498B-A12A-B3809B5003E7}"/>
+              </a:ext>
+            </a:extLst>
+          </p:cNvPr>
+          <p:cNvSpPr>
+            <a:spLocks noGrp="1"/>
+          </p:cNvSpPr>
+          <p:nvPr>
+            <p:ph type="title"/>
+          </p:nvPr>
+        </p:nvSpPr>
+        <p:spPr/>
+        <p:txBody>
+          <a:bodyPr/>
+          <a:lstStyle/>
+          <a:p>
+            <a:r>
+              <a:rPr lang="en-US" altLang="ko-KR" dirty="0"/>
+              <a:t>D</a:t>
+            </a:r>
+            <a:r>
+              <a:rPr lang="en-US" altLang="zh-CN" dirty="0"/>
+              <a:t>iv4 Intro</a:t>
+            </a:r>
+            <a:endParaRPr lang="ko-KR" altLang="en-US" dirty="0"/>
+          </a:p>
+        </p:txBody>
+      </p:sp>
+      <p:sp>
+        <p:nvSpPr>
+          <p:cNvPr id="3" name="내용 개체 틀 2">
+            <a:extLst>
+              <a:ext uri="{FF2B5EF4-FFF2-40B4-BE49-F238E27FC236}">
+                <a16:creationId xmlns:a16="http://schemas.microsoft.com/office/drawing/2014/main" id="{3713BBDD-D978-44A7-9BFB-92D486EDE2E8}"/>
+              </a:ext>
+            </a:extLst>
+          </p:cNvPr>
+          <p:cNvSpPr>
+            <a:spLocks noGrp="1"/>
+          </p:cNvSpPr>
+          <p:nvPr>
+            <p:ph idx="1"/>
+          </p:nvPr>
+        </p:nvSpPr>
+        <p:spPr/>
+        <p:txBody>
+          <a:bodyPr/>
+          <a:lstStyle/>
+          <a:p>
+            <a:r>
+              <a:rPr lang="zh-CN" altLang="en-US" dirty="0"/>
+              <a:t>这部门就是</a:t>
+            </a:r>
+            <a:r>
+              <a:rPr lang="en-US" altLang="zh-CN" dirty="0"/>
+              <a:t>AS</a:t>
+            </a:r>
+            <a:r>
+              <a:rPr lang="zh-CN" altLang="en-US" dirty="0"/>
+              <a:t>接电话的人可以操作的部分。</a:t>
+            </a:r>
+            <a:endParaRPr lang="en-US" altLang="zh-CN" dirty="0"/>
+          </a:p>
+          <a:p>
+            <a:r>
+              <a:rPr lang="zh-CN" altLang="en-US" dirty="0"/>
+              <a:t>如果顾客是第一次打电话过来，这三次交换内容都为空，表格也是为空。然后接电话的工作人员根据顾客的通话内容，输入这些框</a:t>
+            </a:r>
+            <a:endParaRPr lang="en-US" altLang="zh-CN" dirty="0"/>
+          </a:p>
+          <a:p>
+            <a:r>
+              <a:rPr lang="zh-CN" altLang="en-US" dirty="0"/>
+              <a:t>如果顾客是第二次打电话过来，那么就会显示第一次的内容。</a:t>
+            </a:r>
+            <a:endParaRPr lang="en-US" altLang="zh-CN" dirty="0"/>
+          </a:p>
+          <a:p>
+            <a:endParaRPr lang="en-US" altLang="zh-CN" dirty="0"/>
+          </a:p>
+          <a:p>
+            <a:endParaRPr lang="ko-KR" altLang="en-US" dirty="0"/>
+          </a:p>
+        </p:txBody>
+      </p:sp>
+    </p:spTree>
+    <p:extLst>
+      <p:ext uri="{BB962C8B-B14F-4D97-AF65-F5344CB8AC3E}">
+        <p14:creationId xmlns:p14="http://schemas.microsoft.com/office/powerpoint/2010/main" val="1934114862"/>
+      </p:ext>
+    </p:extLst>
+  </p:cSld>
+  <p:clrMapOvr>
+    <a:masterClrMapping/>
+  </p:clrMapOvr>
+</p:sld>
+</file>
+
+<file path=ppt/slides/slide21.xml><?xml version="1.0" encoding="utf-8"?>
+<p:sld xmlns:a="http://schemas.openxmlformats.org/drawingml/2006/main" xmlns:r="http://schemas.openxmlformats.org/officeDocument/2006/relationships" xmlns:p="http://schemas.openxmlformats.org/presentationml/2006/main">
+  <p:cSld>
+    <p:spTree>
+      <p:nvGrpSpPr>
+        <p:cNvPr id="1" name=""/>
+        <p:cNvGrpSpPr/>
+        <p:nvPr/>
+      </p:nvGrpSpPr>
+      <p:grpSpPr>
+        <a:xfrm>
+          <a:off x="0" y="0"/>
+          <a:ext cx="0" cy="0"/>
+          <a:chOff x="0" y="0"/>
+          <a:chExt cx="0" cy="0"/>
+        </a:xfrm>
+      </p:grpSpPr>
       <p:pic>
         <p:nvPicPr>
           <p:cNvPr id="4" name="그림 3">
@@ -6857,7 +7485,13 @@
           <p:cNvGraphicFramePr>
             <a:graphicFrameLocks noGrp="1"/>
           </p:cNvGraphicFramePr>
-          <p:nvPr/>
+          <p:nvPr>
+            <p:extLst>
+              <p:ext uri="{D42A27DB-BD31-4B8C-83A1-F6EECF244321}">
+                <p14:modId xmlns:p14="http://schemas.microsoft.com/office/powerpoint/2010/main" val="1777825326"/>
+              </p:ext>
+            </p:extLst>
+          </p:nvPr>
         </p:nvGraphicFramePr>
         <p:xfrm>
           <a:off x="5038444" y="350679"/>
@@ -7523,7 +8157,7 @@
                             <a:schemeClr val="tx1"/>
                           </a:solidFill>
                         </a:rPr>
-                        <a:t>미회수분현항</a:t>
+                        <a:t>미회수분현황</a:t>
                       </a:r>
                       <a:endParaRPr lang="ko-KR" altLang="en-US" sz="1100" dirty="0">
                         <a:solidFill>
@@ -8487,7 +9121,7 @@
 </p:sld>
 </file>
 
-<file path=ppt/slides/slide21.xml><?xml version="1.0" encoding="utf-8"?>
+<file path=ppt/slides/slide22.xml><?xml version="1.0" encoding="utf-8"?>
 <p:sld xmlns:a="http://schemas.openxmlformats.org/drawingml/2006/main" xmlns:r="http://schemas.openxmlformats.org/officeDocument/2006/relationships" xmlns:p="http://schemas.openxmlformats.org/presentationml/2006/main">
   <p:cSld>
     <p:spTree>
@@ -9307,7 +9941,7 @@
           <p:cNvPr id="3" name="제목 2">
             <a:extLst>
               <a:ext uri="{FF2B5EF4-FFF2-40B4-BE49-F238E27FC236}">
-                <a16:creationId xmlns:a16="http://schemas.microsoft.com/office/drawing/2014/main" id="{5E19DEE3-D5AF-4F5A-98E3-CFF25DA7BC29}"/>
+                <a16:creationId xmlns:a16="http://schemas.microsoft.com/office/drawing/2014/main" id="{4FC79C9A-5D59-4639-BE2B-800524A96B23}"/>
               </a:ext>
             </a:extLst>
           </p:cNvPr>
@@ -9323,22 +9957,6 @@
           <a:bodyPr/>
           <a:lstStyle/>
           <a:p>
-            <a:r>
-              <a:rPr lang="en-US" altLang="ko-KR" dirty="0" err="1"/>
-              <a:t>ASM</a:t>
-            </a:r>
-            <a:r>
-              <a:rPr lang="en-US" altLang="zh-CN" dirty="0" err="1"/>
-              <a:t>anagementPage</a:t>
-            </a:r>
-            <a:r>
-              <a:rPr lang="en-US" altLang="zh-CN" dirty="0"/>
-              <a:t> </a:t>
-            </a:r>
-            <a:r>
-              <a:rPr lang="zh-CN" altLang="en-US" dirty="0"/>
-              <a:t>初步用户需求</a:t>
-            </a:r>
             <a:endParaRPr lang="ko-KR" altLang="en-US" dirty="0"/>
           </a:p>
         </p:txBody>
@@ -9348,7 +9966,7 @@
           <p:cNvPr id="4" name="내용 개체 틀 3">
             <a:extLst>
               <a:ext uri="{FF2B5EF4-FFF2-40B4-BE49-F238E27FC236}">
-                <a16:creationId xmlns:a16="http://schemas.microsoft.com/office/drawing/2014/main" id="{A50D24F1-1E97-4D4D-93E5-E18B8C2B6A94}"/>
+                <a16:creationId xmlns:a16="http://schemas.microsoft.com/office/drawing/2014/main" id="{FC643F18-E206-4854-BB40-40FEA99DD2FE}"/>
               </a:ext>
             </a:extLst>
           </p:cNvPr>
@@ -9361,20 +9979,125 @@
         </p:nvSpPr>
         <p:spPr/>
         <p:txBody>
-          <a:bodyPr/>
+          <a:bodyPr>
+            <a:normAutofit fontScale="92500" lnSpcReduction="20000"/>
+          </a:bodyPr>
           <a:lstStyle/>
           <a:p>
             <a:r>
+              <a:rPr lang="en-US" altLang="zh-CN" dirty="0"/>
+              <a:t>Contract</a:t>
+            </a:r>
+          </a:p>
+          <a:p>
+            <a:pPr lvl="1"/>
+            <a:r>
               <a:rPr lang="zh-CN" altLang="en-US" dirty="0"/>
-              <a:t>公司老板的要求</a:t>
+              <a:t>查询数据库所有公司</a:t>
             </a:r>
             <a:endParaRPr lang="en-US" altLang="zh-CN" dirty="0"/>
           </a:p>
           <a:p>
             <a:pPr lvl="1"/>
             <a:r>
+              <a:rPr lang="en-US" altLang="zh-CN" dirty="0"/>
+              <a:t>{key</a:t>
+            </a:r>
+          </a:p>
+          <a:p>
+            <a:pPr lvl="1"/>
+            <a:r>
+              <a:rPr lang="en-US" altLang="zh-CN" dirty="0"/>
+              <a:t>value</a:t>
+            </a:r>
+          </a:p>
+          <a:p>
+            <a:pPr lvl="1"/>
+            <a:r>
+              <a:rPr lang="en-US" altLang="zh-CN" dirty="0"/>
+              <a:t>}</a:t>
+            </a:r>
+          </a:p>
+          <a:p>
+            <a:r>
+              <a:rPr lang="en-US" altLang="zh-CN" dirty="0"/>
+              <a:t>Department</a:t>
+            </a:r>
+          </a:p>
+          <a:p>
+            <a:pPr lvl="1"/>
+            <a:r>
+              <a:rPr lang="en-US" altLang="zh-CN" dirty="0"/>
+              <a:t>Interface</a:t>
+            </a:r>
+            <a:r>
               <a:rPr lang="zh-CN" altLang="en-US" dirty="0"/>
-              <a:t>用户能对页面进行添加、删除、修改的操作。</a:t>
+              <a:t>：通过公司搜索所有的部门</a:t>
+            </a:r>
+            <a:endParaRPr lang="en-US" altLang="zh-CN" dirty="0"/>
+          </a:p>
+          <a:p>
+            <a:r>
+              <a:rPr lang="en-US" altLang="zh-CN" dirty="0"/>
+              <a:t>Team</a:t>
+            </a:r>
+          </a:p>
+          <a:p>
+            <a:pPr lvl="1"/>
+            <a:r>
+              <a:rPr lang="en-US" altLang="zh-CN" dirty="0"/>
+              <a:t>Interface</a:t>
+            </a:r>
+            <a:r>
+              <a:rPr lang="zh-CN" altLang="en-US" dirty="0"/>
+              <a:t>：通过公司，部门查找所有团队</a:t>
+            </a:r>
+            <a:endParaRPr lang="en-US" altLang="zh-CN" dirty="0"/>
+          </a:p>
+          <a:p>
+            <a:r>
+              <a:rPr lang="en-US" altLang="zh-CN" dirty="0"/>
+              <a:t>Name</a:t>
+            </a:r>
+          </a:p>
+          <a:p>
+            <a:r>
+              <a:rPr lang="en-US" altLang="ko-KR" dirty="0"/>
+              <a:t>Telephone</a:t>
+            </a:r>
+          </a:p>
+          <a:p>
+            <a:r>
+              <a:rPr lang="en-US" altLang="zh-CN" dirty="0"/>
+              <a:t>Name</a:t>
+            </a:r>
+            <a:r>
+              <a:rPr lang="zh-CN" altLang="en-US" dirty="0"/>
+              <a:t>，</a:t>
+            </a:r>
+            <a:r>
+              <a:rPr lang="en-US" altLang="ko-KR" dirty="0"/>
+              <a:t> Telephone</a:t>
+            </a:r>
+            <a:r>
+              <a:rPr lang="zh-CN" altLang="en-US" dirty="0"/>
+              <a:t>，</a:t>
+            </a:r>
+            <a:r>
+              <a:rPr lang="en-US" altLang="zh-CN" dirty="0"/>
+              <a:t> Contract</a:t>
+            </a:r>
+            <a:r>
+              <a:rPr lang="zh-CN" altLang="en-US" dirty="0"/>
+              <a:t>，</a:t>
+            </a:r>
+            <a:r>
+              <a:rPr lang="en-US" altLang="zh-CN" dirty="0"/>
+              <a:t> Department</a:t>
+            </a:r>
+            <a:r>
+              <a:rPr lang="zh-CN" altLang="en-US" dirty="0"/>
+              <a:t>点击搜索返回第一个</a:t>
             </a:r>
             <a:endParaRPr lang="ko-KR" altLang="en-US" dirty="0"/>
           </a:p>
@@ -9383,7 +10106,7 @@
     </p:spTree>
     <p:extLst>
       <p:ext uri="{BB962C8B-B14F-4D97-AF65-F5344CB8AC3E}">
-        <p14:creationId xmlns:p14="http://schemas.microsoft.com/office/powerpoint/2010/main" val="411763678"/>
+        <p14:creationId xmlns:p14="http://schemas.microsoft.com/office/powerpoint/2010/main" val="3290379783"/>
       </p:ext>
     </p:extLst>
   </p:cSld>
@@ -9412,6 +10135,114 @@
       </p:grpSpPr>
       <p:sp>
         <p:nvSpPr>
+          <p:cNvPr id="3" name="제목 2">
+            <a:extLst>
+              <a:ext uri="{FF2B5EF4-FFF2-40B4-BE49-F238E27FC236}">
+                <a16:creationId xmlns:a16="http://schemas.microsoft.com/office/drawing/2014/main" id="{5E19DEE3-D5AF-4F5A-98E3-CFF25DA7BC29}"/>
+              </a:ext>
+            </a:extLst>
+          </p:cNvPr>
+          <p:cNvSpPr>
+            <a:spLocks noGrp="1"/>
+          </p:cNvSpPr>
+          <p:nvPr>
+            <p:ph type="title"/>
+          </p:nvPr>
+        </p:nvSpPr>
+        <p:spPr/>
+        <p:txBody>
+          <a:bodyPr/>
+          <a:lstStyle/>
+          <a:p>
+            <a:r>
+              <a:rPr lang="en-US" altLang="ko-KR" dirty="0" err="1"/>
+              <a:t>ASM</a:t>
+            </a:r>
+            <a:r>
+              <a:rPr lang="en-US" altLang="zh-CN" dirty="0" err="1"/>
+              <a:t>anagementPage</a:t>
+            </a:r>
+            <a:r>
+              <a:rPr lang="en-US" altLang="zh-CN" dirty="0"/>
+              <a:t> </a:t>
+            </a:r>
+            <a:r>
+              <a:rPr lang="zh-CN" altLang="en-US" dirty="0"/>
+              <a:t>初步用户需求</a:t>
+            </a:r>
+            <a:endParaRPr lang="ko-KR" altLang="en-US" dirty="0"/>
+          </a:p>
+        </p:txBody>
+      </p:sp>
+      <p:sp>
+        <p:nvSpPr>
+          <p:cNvPr id="4" name="내용 개체 틀 3">
+            <a:extLst>
+              <a:ext uri="{FF2B5EF4-FFF2-40B4-BE49-F238E27FC236}">
+                <a16:creationId xmlns:a16="http://schemas.microsoft.com/office/drawing/2014/main" id="{A50D24F1-1E97-4D4D-93E5-E18B8C2B6A94}"/>
+              </a:ext>
+            </a:extLst>
+          </p:cNvPr>
+          <p:cNvSpPr>
+            <a:spLocks noGrp="1"/>
+          </p:cNvSpPr>
+          <p:nvPr>
+            <p:ph idx="1"/>
+          </p:nvPr>
+        </p:nvSpPr>
+        <p:spPr/>
+        <p:txBody>
+          <a:bodyPr/>
+          <a:lstStyle/>
+          <a:p>
+            <a:r>
+              <a:rPr lang="zh-CN" altLang="en-US" dirty="0"/>
+              <a:t>公司老板的要求</a:t>
+            </a:r>
+            <a:endParaRPr lang="en-US" altLang="zh-CN" dirty="0"/>
+          </a:p>
+          <a:p>
+            <a:pPr lvl="1"/>
+            <a:r>
+              <a:rPr lang="zh-CN" altLang="en-US" dirty="0"/>
+              <a:t>用户能对页面进行添加、删除、修改的操作。</a:t>
+            </a:r>
+            <a:endParaRPr lang="ko-KR" altLang="en-US" dirty="0"/>
+          </a:p>
+        </p:txBody>
+      </p:sp>
+    </p:spTree>
+    <p:extLst>
+      <p:ext uri="{BB962C8B-B14F-4D97-AF65-F5344CB8AC3E}">
+        <p14:creationId xmlns:p14="http://schemas.microsoft.com/office/powerpoint/2010/main" val="411763678"/>
+      </p:ext>
+    </p:extLst>
+  </p:cSld>
+  <p:clrMapOvr>
+    <a:masterClrMapping/>
+  </p:clrMapOvr>
+</p:sld>
+</file>
+
+<file path=ppt/slides/slide6.xml><?xml version="1.0" encoding="utf-8"?>
+<p:sld xmlns:a="http://schemas.openxmlformats.org/drawingml/2006/main" xmlns:r="http://schemas.openxmlformats.org/officeDocument/2006/relationships" xmlns:p="http://schemas.openxmlformats.org/presentationml/2006/main">
+  <p:cSld>
+    <p:spTree>
+      <p:nvGrpSpPr>
+        <p:cNvPr id="1" name=""/>
+        <p:cNvGrpSpPr/>
+        <p:nvPr/>
+      </p:nvGrpSpPr>
+      <p:grpSpPr>
+        <a:xfrm>
+          <a:off x="0" y="0"/>
+          <a:ext cx="0" cy="0"/>
+          <a:chOff x="0" y="0"/>
+          <a:chExt cx="0" cy="0"/>
+        </a:xfrm>
+      </p:grpSpPr>
+      <p:sp>
+        <p:nvSpPr>
           <p:cNvPr id="2" name="제목 1">
             <a:extLst>
               <a:ext uri="{FF2B5EF4-FFF2-40B4-BE49-F238E27FC236}">
@@ -9645,7 +10476,7 @@
 </p:sld>
 </file>
 
-<file path=ppt/slides/slide6.xml><?xml version="1.0" encoding="utf-8"?>
+<file path=ppt/slides/slide7.xml><?xml version="1.0" encoding="utf-8"?>
 <p:sld xmlns:a="http://schemas.openxmlformats.org/drawingml/2006/main" xmlns:r="http://schemas.openxmlformats.org/officeDocument/2006/relationships" xmlns:p="http://schemas.openxmlformats.org/presentationml/2006/main">
   <p:cSld>
     <p:spTree>
@@ -9837,7 +10668,7 @@
 </p:sld>
 </file>
 
-<file path=ppt/slides/slide7.xml><?xml version="1.0" encoding="utf-8"?>
+<file path=ppt/slides/slide8.xml><?xml version="1.0" encoding="utf-8"?>
 <p:sld xmlns:a="http://schemas.openxmlformats.org/drawingml/2006/main" xmlns:r="http://schemas.openxmlformats.org/officeDocument/2006/relationships" xmlns:p="http://schemas.openxmlformats.org/presentationml/2006/main">
   <p:cSld>
     <p:spTree>
@@ -10429,7 +11260,7 @@
 </p:sld>
 </file>
 
-<file path=ppt/slides/slide8.xml><?xml version="1.0" encoding="utf-8"?>
+<file path=ppt/slides/slide9.xml><?xml version="1.0" encoding="utf-8"?>
 <p:sld xmlns:a="http://schemas.openxmlformats.org/drawingml/2006/main" xmlns:r="http://schemas.openxmlformats.org/officeDocument/2006/relationships" xmlns:p="http://schemas.openxmlformats.org/presentationml/2006/main">
   <p:cSld>
     <p:spTree>
@@ -10508,626 +11339,40 @@
           </a:p>
         </p:txBody>
       </p:sp>
+      <p:pic>
+        <p:nvPicPr>
+          <p:cNvPr id="5" name="그림 4">
+            <a:extLst>
+              <a:ext uri="{FF2B5EF4-FFF2-40B4-BE49-F238E27FC236}">
+                <a16:creationId xmlns:a16="http://schemas.microsoft.com/office/drawing/2014/main" id="{847CDB51-FFEA-441C-A1F9-4FB3112F4159}"/>
+              </a:ext>
+            </a:extLst>
+          </p:cNvPr>
+          <p:cNvPicPr>
+            <a:picLocks noChangeAspect="1"/>
+          </p:cNvPicPr>
+          <p:nvPr/>
+        </p:nvPicPr>
+        <p:blipFill>
+          <a:blip r:embed="rId2"/>
+          <a:stretch>
+            <a:fillRect/>
+          </a:stretch>
+        </p:blipFill>
+        <p:spPr>
+          <a:xfrm>
+            <a:off x="695985" y="2734263"/>
+            <a:ext cx="10800030" cy="1644216"/>
+          </a:xfrm>
+          <a:prstGeom prst="rect">
+            <a:avLst/>
+          </a:prstGeom>
+        </p:spPr>
+      </p:pic>
     </p:spTree>
     <p:extLst>
       <p:ext uri="{BB962C8B-B14F-4D97-AF65-F5344CB8AC3E}">
         <p14:creationId xmlns:p14="http://schemas.microsoft.com/office/powerpoint/2010/main" val="330470822"/>
-      </p:ext>
-    </p:extLst>
-  </p:cSld>
-  <p:clrMapOvr>
-    <a:masterClrMapping/>
-  </p:clrMapOvr>
-</p:sld>
-</file>
-
-<file path=ppt/slides/slide9.xml><?xml version="1.0" encoding="utf-8"?>
-<p:sld xmlns:a="http://schemas.openxmlformats.org/drawingml/2006/main" xmlns:r="http://schemas.openxmlformats.org/officeDocument/2006/relationships" xmlns:p="http://schemas.openxmlformats.org/presentationml/2006/main">
-  <p:cSld>
-    <p:spTree>
-      <p:nvGrpSpPr>
-        <p:cNvPr id="1" name=""/>
-        <p:cNvGrpSpPr/>
-        <p:nvPr/>
-      </p:nvGrpSpPr>
-      <p:grpSpPr>
-        <a:xfrm>
-          <a:off x="0" y="0"/>
-          <a:ext cx="0" cy="0"/>
-          <a:chOff x="0" y="0"/>
-          <a:chExt cx="0" cy="0"/>
-        </a:xfrm>
-      </p:grpSpPr>
-      <p:sp>
-        <p:nvSpPr>
-          <p:cNvPr id="2" name="제목 1">
-            <a:extLst>
-              <a:ext uri="{FF2B5EF4-FFF2-40B4-BE49-F238E27FC236}">
-                <a16:creationId xmlns:a16="http://schemas.microsoft.com/office/drawing/2014/main" id="{08E4AAFF-4B13-4BB8-99DD-B5861D915EFB}"/>
-              </a:ext>
-            </a:extLst>
-          </p:cNvPr>
-          <p:cNvSpPr>
-            <a:spLocks noGrp="1"/>
-          </p:cNvSpPr>
-          <p:nvPr>
-            <p:ph type="title"/>
-          </p:nvPr>
-        </p:nvSpPr>
-        <p:spPr/>
-        <p:txBody>
-          <a:bodyPr/>
-          <a:lstStyle/>
-          <a:p>
-            <a:r>
-              <a:rPr lang="en-US" altLang="ko-KR" dirty="0"/>
-              <a:t>D</a:t>
-            </a:r>
-            <a:r>
-              <a:rPr lang="en-US" altLang="zh-CN" dirty="0"/>
-              <a:t>iv0</a:t>
-            </a:r>
-            <a:r>
-              <a:rPr lang="zh-CN" altLang="en-US" dirty="0"/>
-              <a:t>业务需求</a:t>
-            </a:r>
-            <a:endParaRPr lang="ko-KR" altLang="en-US" dirty="0"/>
-          </a:p>
-        </p:txBody>
-      </p:sp>
-      <p:sp>
-        <p:nvSpPr>
-          <p:cNvPr id="3" name="내용 개체 틀 2">
-            <a:extLst>
-              <a:ext uri="{FF2B5EF4-FFF2-40B4-BE49-F238E27FC236}">
-                <a16:creationId xmlns:a16="http://schemas.microsoft.com/office/drawing/2014/main" id="{4E0F34F0-36AE-4B4D-8B81-1E329A79F477}"/>
-              </a:ext>
-            </a:extLst>
-          </p:cNvPr>
-          <p:cNvSpPr>
-            <a:spLocks noGrp="1"/>
-          </p:cNvSpPr>
-          <p:nvPr>
-            <p:ph idx="1"/>
-          </p:nvPr>
-        </p:nvSpPr>
-        <p:spPr/>
-        <p:txBody>
-          <a:bodyPr>
-            <a:normAutofit/>
-          </a:bodyPr>
-          <a:lstStyle/>
-          <a:p>
-            <a:r>
-              <a:rPr lang="en-US" altLang="zh-CN" sz="2000" dirty="0"/>
-              <a:t>Div0</a:t>
-            </a:r>
-            <a:r>
-              <a:rPr lang="zh-CN" altLang="en-US" sz="2000" dirty="0"/>
-              <a:t>内容接电话的人员根据打来电话人员提供的年度（</a:t>
-            </a:r>
-            <a:r>
-              <a:rPr lang="en-US" altLang="zh-CN" sz="2000" dirty="0"/>
-              <a:t>year</a:t>
-            </a:r>
-            <a:r>
-              <a:rPr lang="zh-CN" altLang="en-US" sz="2000" dirty="0"/>
-              <a:t>）、</a:t>
-            </a:r>
-            <a:r>
-              <a:rPr lang="en-US" altLang="zh-CN" sz="2000" dirty="0"/>
-              <a:t> </a:t>
-            </a:r>
-            <a:r>
-              <a:rPr lang="zh-CN" altLang="en-US" sz="2000" dirty="0"/>
-              <a:t>客户公司（</a:t>
-            </a:r>
-            <a:r>
-              <a:rPr lang="en-US" altLang="zh-CN" sz="2000" dirty="0"/>
-              <a:t>contract</a:t>
-            </a:r>
-            <a:r>
-              <a:rPr lang="zh-CN" altLang="en-US" sz="2000" dirty="0"/>
-              <a:t>）、季度（</a:t>
-            </a:r>
-            <a:r>
-              <a:rPr lang="en-US" altLang="zh-CN" sz="2000" dirty="0"/>
-              <a:t>season</a:t>
-            </a:r>
-            <a:r>
-              <a:rPr lang="zh-CN" altLang="en-US" sz="2000" dirty="0"/>
-              <a:t>）、附属部门（</a:t>
-            </a:r>
-            <a:r>
-              <a:rPr lang="en-US" altLang="zh-CN" sz="2000" dirty="0"/>
-              <a:t>department</a:t>
-            </a:r>
-            <a:r>
-              <a:rPr lang="zh-CN" altLang="en-US" sz="2000" dirty="0"/>
-              <a:t>）、小组部门（</a:t>
-            </a:r>
-            <a:r>
-              <a:rPr lang="en-US" altLang="zh-CN" sz="2000" dirty="0"/>
-              <a:t>team</a:t>
-            </a:r>
-            <a:r>
-              <a:rPr lang="zh-CN" altLang="en-US" sz="2000" dirty="0"/>
-              <a:t>）选定数据，在输入打电话来的人的姓名，点击“搜索（</a:t>
-            </a:r>
-            <a:r>
-              <a:rPr lang="ko-KR" altLang="en-US" sz="2000" dirty="0"/>
-              <a:t>검색</a:t>
-            </a:r>
-            <a:r>
-              <a:rPr lang="zh-CN" altLang="en-US" sz="2000" dirty="0"/>
-              <a:t>）”按钮后服务器查询的数据分别填入（</a:t>
-            </a:r>
-            <a:r>
-              <a:rPr lang="en-US" altLang="zh-CN" sz="2000" dirty="0"/>
-              <a:t>div1</a:t>
-            </a:r>
-            <a:r>
-              <a:rPr lang="zh-CN" altLang="en-US" sz="2000" dirty="0"/>
-              <a:t>，</a:t>
-            </a:r>
-            <a:r>
-              <a:rPr lang="en-US" altLang="zh-CN" sz="2000" dirty="0"/>
-              <a:t>div2</a:t>
-            </a:r>
-            <a:r>
-              <a:rPr lang="zh-CN" altLang="en-US" sz="2000" dirty="0"/>
-              <a:t>，</a:t>
-            </a:r>
-            <a:r>
-              <a:rPr lang="en-US" altLang="zh-CN" sz="2000" dirty="0"/>
-              <a:t>div3,div4</a:t>
-            </a:r>
-            <a:r>
-              <a:rPr lang="zh-CN" altLang="en-US" sz="2000" dirty="0"/>
-              <a:t>）中</a:t>
-            </a:r>
-            <a:endParaRPr lang="ko-KR" altLang="en-US" sz="2000" dirty="0"/>
-          </a:p>
-          <a:p>
-            <a:endParaRPr lang="en-US" altLang="zh-CN" sz="2000" dirty="0"/>
-          </a:p>
-        </p:txBody>
-      </p:sp>
-      <p:graphicFrame>
-        <p:nvGraphicFramePr>
-          <p:cNvPr id="4" name="표 5">
-            <a:extLst>
-              <a:ext uri="{FF2B5EF4-FFF2-40B4-BE49-F238E27FC236}">
-                <a16:creationId xmlns:a16="http://schemas.microsoft.com/office/drawing/2014/main" id="{3B058624-32C7-428D-A997-9BC33996F53B}"/>
-              </a:ext>
-            </a:extLst>
-          </p:cNvPr>
-          <p:cNvGraphicFramePr>
-            <a:graphicFrameLocks noGrp="1"/>
-          </p:cNvGraphicFramePr>
-          <p:nvPr/>
-        </p:nvGraphicFramePr>
-        <p:xfrm>
-          <a:off x="1315720" y="3063240"/>
-          <a:ext cx="9062721" cy="2595880"/>
-        </p:xfrm>
-        <a:graphic>
-          <a:graphicData uri="http://schemas.openxmlformats.org/drawingml/2006/table">
-            <a:tbl>
-              <a:tblPr firstRow="1">
-                <a:tableStyleId>{93296810-A885-4BE3-A3E7-6D5BEEA58F35}</a:tableStyleId>
-              </a:tblPr>
-              <a:tblGrid>
-                <a:gridCol w="1747520">
-                  <a:extLst>
-                    <a:ext uri="{9D8B030D-6E8A-4147-A177-3AD203B41FA5}">
-                      <a16:colId xmlns:a16="http://schemas.microsoft.com/office/drawing/2014/main" val="2607834444"/>
-                    </a:ext>
-                  </a:extLst>
-                </a:gridCol>
-                <a:gridCol w="4294294">
-                  <a:extLst>
-                    <a:ext uri="{9D8B030D-6E8A-4147-A177-3AD203B41FA5}">
-                      <a16:colId xmlns:a16="http://schemas.microsoft.com/office/drawing/2014/main" val="345831811"/>
-                    </a:ext>
-                  </a:extLst>
-                </a:gridCol>
-                <a:gridCol w="3020907">
-                  <a:extLst>
-                    <a:ext uri="{9D8B030D-6E8A-4147-A177-3AD203B41FA5}">
-                      <a16:colId xmlns:a16="http://schemas.microsoft.com/office/drawing/2014/main" val="3798920759"/>
-                    </a:ext>
-                  </a:extLst>
-                </a:gridCol>
-              </a:tblGrid>
-              <a:tr h="370840">
-                <a:tc>
-                  <a:txBody>
-                    <a:bodyPr/>
-                    <a:lstStyle/>
-                    <a:p>
-                      <a:pPr latinLnBrk="1"/>
-                      <a:r>
-                        <a:rPr lang="en-US" altLang="ko-KR" dirty="0"/>
-                        <a:t>Korean</a:t>
-                      </a:r>
-                      <a:endParaRPr lang="ko-KR" altLang="en-US" dirty="0"/>
-                    </a:p>
-                  </a:txBody>
-                  <a:tcPr/>
-                </a:tc>
-                <a:tc>
-                  <a:txBody>
-                    <a:bodyPr/>
-                    <a:lstStyle/>
-                    <a:p>
-                      <a:pPr latinLnBrk="1"/>
-                      <a:r>
-                        <a:rPr lang="en-US" altLang="ko-KR" dirty="0"/>
-                        <a:t>English</a:t>
-                      </a:r>
-                      <a:endParaRPr lang="ko-KR" altLang="en-US" dirty="0"/>
-                    </a:p>
-                  </a:txBody>
-                  <a:tcPr/>
-                </a:tc>
-                <a:tc>
-                  <a:txBody>
-                    <a:bodyPr/>
-                    <a:lstStyle/>
-                    <a:p>
-                      <a:pPr latinLnBrk="1"/>
-                      <a:r>
-                        <a:rPr lang="en-US" altLang="ko-KR" dirty="0"/>
-                        <a:t>Chinese</a:t>
-                      </a:r>
-                      <a:endParaRPr lang="ko-KR" altLang="en-US" dirty="0"/>
-                    </a:p>
-                  </a:txBody>
-                  <a:tcPr/>
-                </a:tc>
-                <a:extLst>
-                  <a:ext uri="{0D108BD9-81ED-4DB2-BD59-A6C34878D82A}">
-                    <a16:rowId xmlns:a16="http://schemas.microsoft.com/office/drawing/2014/main" val="837421108"/>
-                  </a:ext>
-                </a:extLst>
-              </a:tr>
-              <a:tr h="370840">
-                <a:tc>
-                  <a:txBody>
-                    <a:bodyPr/>
-                    <a:lstStyle/>
-                    <a:p>
-                      <a:pPr latinLnBrk="1"/>
-                      <a:r>
-                        <a:rPr lang="ko-KR" altLang="en-US" dirty="0"/>
-                        <a:t>년도</a:t>
-                      </a:r>
-                    </a:p>
-                  </a:txBody>
-                  <a:tcPr/>
-                </a:tc>
-                <a:tc>
-                  <a:txBody>
-                    <a:bodyPr/>
-                    <a:lstStyle/>
-                    <a:p>
-                      <a:pPr latinLnBrk="1"/>
-                      <a:r>
-                        <a:rPr lang="en-US" altLang="ko-KR" sz="1800" kern="1200" dirty="0">
-                          <a:solidFill>
-                            <a:schemeClr val="dk1"/>
-                          </a:solidFill>
-                          <a:latin typeface="+mn-lt"/>
-                          <a:ea typeface="+mn-ea"/>
-                          <a:cs typeface="+mn-cs"/>
-                        </a:rPr>
-                        <a:t>year</a:t>
-                      </a:r>
-                      <a:endParaRPr lang="ko-KR" altLang="en-US" dirty="0"/>
-                    </a:p>
-                  </a:txBody>
-                  <a:tcPr/>
-                </a:tc>
-                <a:tc>
-                  <a:txBody>
-                    <a:bodyPr/>
-                    <a:lstStyle/>
-                    <a:p>
-                      <a:pPr latinLnBrk="1"/>
-                      <a:r>
-                        <a:rPr lang="zh-CN" altLang="en-US" dirty="0"/>
-                        <a:t>年度</a:t>
-                      </a:r>
-                      <a:endParaRPr lang="ko-KR" altLang="en-US" dirty="0"/>
-                    </a:p>
-                  </a:txBody>
-                  <a:tcPr/>
-                </a:tc>
-                <a:extLst>
-                  <a:ext uri="{0D108BD9-81ED-4DB2-BD59-A6C34878D82A}">
-                    <a16:rowId xmlns:a16="http://schemas.microsoft.com/office/drawing/2014/main" val="4129509079"/>
-                  </a:ext>
-                </a:extLst>
-              </a:tr>
-              <a:tr h="370840">
-                <a:tc>
-                  <a:txBody>
-                    <a:bodyPr/>
-                    <a:lstStyle/>
-                    <a:p>
-                      <a:pPr latinLnBrk="1"/>
-                      <a:r>
-                        <a:rPr lang="ko-KR" altLang="en-US" dirty="0"/>
-                        <a:t>거래처명</a:t>
-                      </a:r>
-                    </a:p>
-                  </a:txBody>
-                  <a:tcPr/>
-                </a:tc>
-                <a:tc>
-                  <a:txBody>
-                    <a:bodyPr/>
-                    <a:lstStyle/>
-                    <a:p>
-                      <a:pPr latinLnBrk="1"/>
-                      <a:r>
-                        <a:rPr lang="en-US" altLang="ko-KR" sz="1800" kern="1200" dirty="0">
-                          <a:solidFill>
-                            <a:schemeClr val="dk1"/>
-                          </a:solidFill>
-                          <a:latin typeface="+mn-lt"/>
-                          <a:ea typeface="+mn-ea"/>
-                          <a:cs typeface="+mn-cs"/>
-                        </a:rPr>
-                        <a:t>contract</a:t>
-                      </a:r>
-                      <a:endParaRPr lang="ko-KR" altLang="en-US" dirty="0"/>
-                    </a:p>
-                  </a:txBody>
-                  <a:tcPr/>
-                </a:tc>
-                <a:tc>
-                  <a:txBody>
-                    <a:bodyPr/>
-                    <a:lstStyle/>
-                    <a:p>
-                      <a:pPr latinLnBrk="1"/>
-                      <a:r>
-                        <a:rPr lang="zh-CN" altLang="en-US" dirty="0"/>
-                        <a:t>公司名</a:t>
-                      </a:r>
-                      <a:endParaRPr lang="ko-KR" altLang="en-US" dirty="0"/>
-                    </a:p>
-                  </a:txBody>
-                  <a:tcPr/>
-                </a:tc>
-                <a:extLst>
-                  <a:ext uri="{0D108BD9-81ED-4DB2-BD59-A6C34878D82A}">
-                    <a16:rowId xmlns:a16="http://schemas.microsoft.com/office/drawing/2014/main" val="2389781341"/>
-                  </a:ext>
-                </a:extLst>
-              </a:tr>
-              <a:tr h="370840">
-                <a:tc>
-                  <a:txBody>
-                    <a:bodyPr/>
-                    <a:lstStyle/>
-                    <a:p>
-                      <a:pPr latinLnBrk="1"/>
-                      <a:r>
-                        <a:rPr lang="ko-KR" altLang="en-US" dirty="0"/>
-                        <a:t>시즌</a:t>
-                      </a:r>
-                    </a:p>
-                  </a:txBody>
-                  <a:tcPr/>
-                </a:tc>
-                <a:tc>
-                  <a:txBody>
-                    <a:bodyPr/>
-                    <a:lstStyle/>
-                    <a:p>
-                      <a:pPr latinLnBrk="1"/>
-                      <a:r>
-                        <a:rPr lang="en-US" altLang="ko-KR" sz="1800" kern="1200" dirty="0">
-                          <a:solidFill>
-                            <a:schemeClr val="dk1"/>
-                          </a:solidFill>
-                          <a:latin typeface="+mn-lt"/>
-                          <a:ea typeface="+mn-ea"/>
-                          <a:cs typeface="+mn-cs"/>
-                        </a:rPr>
-                        <a:t>season</a:t>
-                      </a:r>
-                      <a:endParaRPr lang="ko-KR" altLang="en-US" dirty="0"/>
-                    </a:p>
-                  </a:txBody>
-                  <a:tcPr/>
-                </a:tc>
-                <a:tc>
-                  <a:txBody>
-                    <a:bodyPr/>
-                    <a:lstStyle/>
-                    <a:p>
-                      <a:pPr latinLnBrk="1"/>
-                      <a:r>
-                        <a:rPr lang="zh-CN" altLang="en-US" dirty="0"/>
-                        <a:t>季度</a:t>
-                      </a:r>
-                      <a:endParaRPr lang="ko-KR" altLang="en-US" dirty="0"/>
-                    </a:p>
-                  </a:txBody>
-                  <a:tcPr/>
-                </a:tc>
-                <a:extLst>
-                  <a:ext uri="{0D108BD9-81ED-4DB2-BD59-A6C34878D82A}">
-                    <a16:rowId xmlns:a16="http://schemas.microsoft.com/office/drawing/2014/main" val="780056306"/>
-                  </a:ext>
-                </a:extLst>
-              </a:tr>
-              <a:tr h="370840">
-                <a:tc>
-                  <a:txBody>
-                    <a:bodyPr/>
-                    <a:lstStyle/>
-                    <a:p>
-                      <a:pPr latinLnBrk="1"/>
-                      <a:r>
-                        <a:rPr lang="ko-KR" altLang="en-US" dirty="0"/>
-                        <a:t>부서명</a:t>
-                      </a:r>
-                    </a:p>
-                  </a:txBody>
-                  <a:tcPr/>
-                </a:tc>
-                <a:tc>
-                  <a:txBody>
-                    <a:bodyPr/>
-                    <a:lstStyle/>
-                    <a:p>
-                      <a:pPr latinLnBrk="1"/>
-                      <a:r>
-                        <a:rPr lang="en-US" altLang="ko-KR" dirty="0" err="1"/>
-                        <a:t>deparmentName</a:t>
-                      </a:r>
-                      <a:endParaRPr lang="ko-KR" altLang="en-US" dirty="0"/>
-                    </a:p>
-                  </a:txBody>
-                  <a:tcPr/>
-                </a:tc>
-                <a:tc>
-                  <a:txBody>
-                    <a:bodyPr/>
-                    <a:lstStyle/>
-                    <a:p>
-                      <a:pPr latinLnBrk="1"/>
-                      <a:r>
-                        <a:rPr lang="zh-CN" altLang="en-US" dirty="0"/>
-                        <a:t>附属部门名</a:t>
-                      </a:r>
-                      <a:endParaRPr lang="ko-KR" altLang="en-US" dirty="0"/>
-                    </a:p>
-                  </a:txBody>
-                  <a:tcPr/>
-                </a:tc>
-                <a:extLst>
-                  <a:ext uri="{0D108BD9-81ED-4DB2-BD59-A6C34878D82A}">
-                    <a16:rowId xmlns:a16="http://schemas.microsoft.com/office/drawing/2014/main" val="1252524030"/>
-                  </a:ext>
-                </a:extLst>
-              </a:tr>
-              <a:tr h="370840">
-                <a:tc>
-                  <a:txBody>
-                    <a:bodyPr/>
-                    <a:lstStyle/>
-                    <a:p>
-                      <a:pPr latinLnBrk="1"/>
-                      <a:r>
-                        <a:rPr lang="ko-KR" altLang="en-US" dirty="0" err="1"/>
-                        <a:t>소속명</a:t>
-                      </a:r>
-                      <a:endParaRPr lang="ko-KR" altLang="en-US" dirty="0"/>
-                    </a:p>
-                  </a:txBody>
-                  <a:tcPr/>
-                </a:tc>
-                <a:tc>
-                  <a:txBody>
-                    <a:bodyPr/>
-                    <a:lstStyle/>
-                    <a:p>
-                      <a:pPr latinLnBrk="1"/>
-                      <a:r>
-                        <a:rPr lang="en-US" altLang="ko-KR" dirty="0" err="1"/>
-                        <a:t>teamName</a:t>
-                      </a:r>
-                      <a:endParaRPr lang="ko-KR" altLang="en-US" dirty="0"/>
-                    </a:p>
-                  </a:txBody>
-                  <a:tcPr/>
-                </a:tc>
-                <a:tc>
-                  <a:txBody>
-                    <a:bodyPr/>
-                    <a:lstStyle/>
-                    <a:p>
-                      <a:pPr latinLnBrk="1"/>
-                      <a:r>
-                        <a:rPr lang="zh-CN" altLang="en-US" dirty="0"/>
-                        <a:t>小组部门名</a:t>
-                      </a:r>
-                      <a:endParaRPr lang="ko-KR" altLang="en-US" dirty="0"/>
-                    </a:p>
-                  </a:txBody>
-                  <a:tcPr/>
-                </a:tc>
-                <a:extLst>
-                  <a:ext uri="{0D108BD9-81ED-4DB2-BD59-A6C34878D82A}">
-                    <a16:rowId xmlns:a16="http://schemas.microsoft.com/office/drawing/2014/main" val="583306120"/>
-                  </a:ext>
-                </a:extLst>
-              </a:tr>
-              <a:tr h="370840">
-                <a:tc>
-                  <a:txBody>
-                    <a:bodyPr/>
-                    <a:lstStyle/>
-                    <a:p>
-                      <a:pPr latinLnBrk="1"/>
-                      <a:r>
-                        <a:rPr lang="ko-KR" altLang="en-US" dirty="0"/>
-                        <a:t>성명</a:t>
-                      </a:r>
-                    </a:p>
-                  </a:txBody>
-                  <a:tcPr/>
-                </a:tc>
-                <a:tc>
-                  <a:txBody>
-                    <a:bodyPr/>
-                    <a:lstStyle/>
-                    <a:p>
-                      <a:pPr latinLnBrk="1"/>
-                      <a:r>
-                        <a:rPr lang="en-US" altLang="ko-KR" dirty="0"/>
-                        <a:t>name</a:t>
-                      </a:r>
-                      <a:endParaRPr lang="ko-KR" altLang="en-US" dirty="0"/>
-                    </a:p>
-                  </a:txBody>
-                  <a:tcPr/>
-                </a:tc>
-                <a:tc>
-                  <a:txBody>
-                    <a:bodyPr/>
-                    <a:lstStyle/>
-                    <a:p>
-                      <a:pPr latinLnBrk="1"/>
-                      <a:r>
-                        <a:rPr lang="zh-CN" altLang="en-US" dirty="0"/>
-                        <a:t>顾客的姓名</a:t>
-                      </a:r>
-                      <a:endParaRPr lang="ko-KR" altLang="en-US" dirty="0"/>
-                    </a:p>
-                  </a:txBody>
-                  <a:tcPr/>
-                </a:tc>
-                <a:extLst>
-                  <a:ext uri="{0D108BD9-81ED-4DB2-BD59-A6C34878D82A}">
-                    <a16:rowId xmlns:a16="http://schemas.microsoft.com/office/drawing/2014/main" val="3148934602"/>
-                  </a:ext>
-                </a:extLst>
-              </a:tr>
-            </a:tbl>
-          </a:graphicData>
-        </a:graphic>
-      </p:graphicFrame>
-    </p:spTree>
-    <p:extLst>
-      <p:ext uri="{BB962C8B-B14F-4D97-AF65-F5344CB8AC3E}">
-        <p14:creationId xmlns:p14="http://schemas.microsoft.com/office/powerpoint/2010/main" val="3128360447"/>
       </p:ext>
     </p:extLst>
   </p:cSld>
